--- a/Zaabat_Yashin_4_presentation_012023/Implementez_un_modele_de_scoring.pptx
+++ b/Zaabat_Yashin_4_presentation_012023/Implementez_un_modele_de_scoring.pptx
@@ -22173,23 +22173,7 @@
             </a:pPr>
             <a:r>
               <a:rPr lang="fr-FR" sz="1200" dirty="0" smtClean="0"/>
-              <a:t>SHAP est une approche utilisée dans la théorie des jeux. Avec SHAP,  </a:t>
-            </a:r>
-            <a:r>
-              <a:rPr lang="fr-FR" sz="1200" dirty="0" smtClean="0"/>
-              <a:t>on peux </a:t>
-            </a:r>
-            <a:r>
-              <a:rPr lang="fr-FR" sz="1200" dirty="0" smtClean="0"/>
-              <a:t>expliquer le résultat de </a:t>
-            </a:r>
-            <a:r>
-              <a:rPr lang="fr-FR" sz="1200" dirty="0" smtClean="0"/>
-              <a:t>notre </a:t>
-            </a:r>
-            <a:r>
-              <a:rPr lang="fr-FR" sz="1200" dirty="0" smtClean="0"/>
-              <a:t>modèle d’apprentissage de la machine. Ce modèle relie l’explication locale de l’allocation optimale de crédits à l’aide des valeurs de Shapley. Cette approche est très efficace avec la théorie des jeux.</a:t>
+              <a:t>SHAP est une approche utilisée dans la théorie des jeux. Avec SHAP,  on peux expliquer le résultat de notre modèle d’apprentissage de la machine. Ce modèle relie l’explication locale de l’allocation optimale de crédits à l’aide des valeurs de Shapley. Cette approche est très efficace avec la théorie des jeux.</a:t>
             </a:r>
             <a:endParaRPr sz="1150" dirty="0">
               <a:latin typeface="Corbel"/>
@@ -22229,19 +22213,7 @@
             </a:pPr>
             <a:r>
               <a:rPr lang="fr-FR" sz="1200" dirty="0" smtClean="0"/>
-              <a:t>Il s’agit d’une </a:t>
-            </a:r>
-            <a:r>
-              <a:rPr lang="fr-FR" sz="1200" dirty="0" smtClean="0"/>
-              <a:t>méthode d’interprétabilité locale c’est à dire pour chaque client choisit on cherche à savoir les variable qui ont influencé le plus sur le score final n a utilisé shap ci-joint </a:t>
-            </a:r>
-            <a:r>
-              <a:rPr lang="fr-FR" sz="1200" dirty="0" smtClean="0"/>
-              <a:t> on peut voir un </a:t>
-            </a:r>
-            <a:r>
-              <a:rPr lang="fr-FR" sz="1200" dirty="0" smtClean="0"/>
-              <a:t>exemple d’interprétabilité local pour une seule observation (un seul client):</a:t>
+              <a:t>Il s’agit d’une méthode d’interprétabilité locale c’est à dire pour chaque client choisit on cherche à savoir les variable qui ont influencé le plus sur le score final n a utilisé shap ci-joint  on peut voir un exemple d’interprétabilité local pour une seule observation (un seul client):</a:t>
             </a:r>
             <a:endParaRPr sz="1200" dirty="0">
               <a:latin typeface="Corbel"/>
@@ -25248,7 +25220,7 @@
         <p:spPr>
           <a:xfrm>
             <a:off x="545388" y="6083604"/>
-            <a:ext cx="4818380" cy="391160"/>
+            <a:ext cx="4818380" cy="382156"/>
           </a:xfrm>
           <a:prstGeom prst="rect">
             <a:avLst/>
@@ -25311,26 +25283,20 @@
               <a:t>: </a:t>
             </a:r>
             <a:r>
-              <a:rPr sz="1200" spc="-229" dirty="0">
-                <a:latin typeface="Corbel"/>
-                <a:cs typeface="Corbel"/>
-              </a:rPr>
-              <a:t> </a:t>
-            </a:r>
-            <a:r>
-              <a:rPr lang="fr-FR" sz="1200" u="sng" spc="-5" dirty="0" smtClean="0">
-                <a:solidFill>
-                  <a:srgbClr val="2F85EC"/>
-                </a:solidFill>
-                <a:uFill>
-                  <a:solidFill>
-                    <a:srgbClr val="2F85EC"/>
-                  </a:solidFill>
-                </a:uFill>
-                <a:latin typeface="Corbel"/>
-                <a:cs typeface="Corbel"/>
-              </a:rPr>
-              <a:t>https://github.com/yaszaa/Projet_7_dash</a:t>
+              <a:rPr lang="fr-FR" sz="1200" dirty="0" smtClean="0">
+                <a:hlinkClick r:id="rId4"/>
+              </a:rPr>
+              <a:t>https://</a:t>
+            </a:r>
+            <a:r>
+              <a:rPr lang="fr-FR" sz="1200" dirty="0" smtClean="0">
+                <a:hlinkClick r:id="rId4"/>
+              </a:rPr>
+              <a:t>github.com/yaszaa/Projet7_dash</a:t>
+            </a:r>
+            <a:r>
+              <a:rPr lang="fr-FR" sz="1200" dirty="0" smtClean="0"/>
+              <a:t> </a:t>
             </a:r>
             <a:endParaRPr sz="1200" dirty="0">
               <a:latin typeface="Corbel"/>
@@ -25360,7 +25326,7 @@
             <p:nvPr/>
           </p:nvPicPr>
           <p:blipFill>
-            <a:blip r:embed="rId4" cstate="print"/>
+            <a:blip r:embed="rId5" cstate="print"/>
             <a:stretch>
               <a:fillRect/>
             </a:stretch>
@@ -26205,7 +26171,7 @@
               <a:rPr sz="1200" dirty="0">
                 <a:latin typeface="Corbel"/>
                 <a:cs typeface="Corbel"/>
-                <a:hlinkClick r:id="rId5"/>
+                <a:hlinkClick r:id="rId6"/>
               </a:rPr>
               <a:t>celle </a:t>
             </a:r>
@@ -26213,7 +26179,7 @@
               <a:rPr sz="1200" spc="-5" dirty="0">
                 <a:latin typeface="Corbel"/>
                 <a:cs typeface="Corbel"/>
-                <a:hlinkClick r:id="rId5"/>
+                <a:hlinkClick r:id="rId6"/>
               </a:rPr>
               <a:t>utilisée </a:t>
             </a:r>
@@ -26221,7 +26187,7 @@
               <a:rPr sz="1200" spc="-10" dirty="0">
                 <a:latin typeface="Corbel"/>
                 <a:cs typeface="Corbel"/>
-                <a:hlinkClick r:id="rId5"/>
+                <a:hlinkClick r:id="rId6"/>
               </a:rPr>
               <a:t>dans </a:t>
             </a:r>
@@ -26229,7 +26195,7 @@
               <a:rPr sz="1200" spc="-5" dirty="0">
                 <a:latin typeface="Corbel"/>
                 <a:cs typeface="Corbel"/>
-                <a:hlinkClick r:id="rId5"/>
+                <a:hlinkClick r:id="rId6"/>
               </a:rPr>
               <a:t>ce projet, </a:t>
             </a:r>
@@ -26237,7 +26203,7 @@
               <a:rPr sz="1200" spc="-10" dirty="0">
                 <a:latin typeface="Corbel"/>
                 <a:cs typeface="Corbel"/>
-                <a:hlinkClick r:id="rId5"/>
+                <a:hlinkClick r:id="rId6"/>
               </a:rPr>
               <a:t>mais </a:t>
             </a:r>
@@ -26245,7 +26211,7 @@
               <a:rPr sz="1200" spc="-5" dirty="0">
                 <a:latin typeface="Corbel"/>
                 <a:cs typeface="Corbel"/>
-                <a:hlinkClick r:id="rId5"/>
+                <a:hlinkClick r:id="rId6"/>
               </a:rPr>
               <a:t>beaucoup </a:t>
             </a:r>
@@ -26253,7 +26219,7 @@
               <a:rPr sz="1200" dirty="0">
                 <a:latin typeface="Corbel"/>
                 <a:cs typeface="Corbel"/>
-                <a:hlinkClick r:id="rId5"/>
+                <a:hlinkClick r:id="rId6"/>
               </a:rPr>
               <a:t>plus longue en </a:t>
             </a:r>
@@ -26261,7 +26227,7 @@
               <a:rPr sz="1200" spc="-10" dirty="0">
                 <a:latin typeface="Corbel"/>
                 <a:cs typeface="Corbel"/>
-                <a:hlinkClick r:id="rId5"/>
+                <a:hlinkClick r:id="rId6"/>
               </a:rPr>
               <a:t>traitement.</a:t>
             </a:r>
@@ -26272,7 +26238,7 @@
                 </a:solidFill>
                 <a:latin typeface="Corbel"/>
                 <a:cs typeface="Corbel"/>
-                <a:hlinkClick r:id="rId5"/>
+                <a:hlinkClick r:id="rId6"/>
               </a:rPr>
               <a:t> </a:t>
             </a:r>
@@ -26288,7 +26254,7 @@
                 </a:uFill>
                 <a:latin typeface="Corbel"/>
                 <a:cs typeface="Corbel"/>
-                <a:hlinkClick r:id="rId5"/>
+                <a:hlinkClick r:id="rId6"/>
               </a:rPr>
               <a:t>Lien </a:t>
             </a:r>
@@ -26299,7 +26265,7 @@
                 </a:solidFill>
                 <a:latin typeface="Corbel"/>
                 <a:cs typeface="Corbel"/>
-                <a:hlinkClick r:id="rId5"/>
+                <a:hlinkClick r:id="rId6"/>
               </a:rPr>
               <a:t> </a:t>
             </a:r>
@@ -26315,7 +26281,7 @@
                 </a:uFill>
                 <a:latin typeface="Corbel"/>
                 <a:cs typeface="Corbel"/>
-                <a:hlinkClick r:id="rId5"/>
+                <a:hlinkClick r:id="rId6"/>
               </a:rPr>
               <a:t>utile</a:t>
             </a:r>
@@ -26331,7 +26297,7 @@
                 </a:uFill>
                 <a:latin typeface="Corbel"/>
                 <a:cs typeface="Corbel"/>
-                <a:hlinkClick r:id="rId5"/>
+                <a:hlinkClick r:id="rId6"/>
               </a:rPr>
               <a:t> </a:t>
             </a:r>
@@ -26347,7 +26313,7 @@
                 </a:uFill>
                 <a:latin typeface="Corbel"/>
                 <a:cs typeface="Corbel"/>
-                <a:hlinkClick r:id="rId5"/>
+                <a:hlinkClick r:id="rId6"/>
               </a:rPr>
               <a:t>avec</a:t>
             </a:r>
@@ -26363,7 +26329,7 @@
                 </a:uFill>
                 <a:latin typeface="Corbel"/>
                 <a:cs typeface="Corbel"/>
-                <a:hlinkClick r:id="rId5"/>
+                <a:hlinkClick r:id="rId6"/>
               </a:rPr>
               <a:t> les </a:t>
             </a:r>
@@ -26379,7 +26345,7 @@
                 </a:uFill>
                 <a:latin typeface="Corbel"/>
                 <a:cs typeface="Corbel"/>
-                <a:hlinkClick r:id="rId5"/>
+                <a:hlinkClick r:id="rId6"/>
               </a:rPr>
               <a:t>différentes</a:t>
             </a:r>
@@ -26395,7 +26361,7 @@
                 </a:uFill>
                 <a:latin typeface="Corbel"/>
                 <a:cs typeface="Corbel"/>
-                <a:hlinkClick r:id="rId5"/>
+                <a:hlinkClick r:id="rId6"/>
               </a:rPr>
               <a:t> </a:t>
             </a:r>
@@ -26411,7 +26377,7 @@
                 </a:uFill>
                 <a:latin typeface="Corbel"/>
                 <a:cs typeface="Corbel"/>
-                <a:hlinkClick r:id="rId5"/>
+                <a:hlinkClick r:id="rId6"/>
               </a:rPr>
               <a:t>stratégies</a:t>
             </a:r>
@@ -26427,7 +26393,7 @@
                 </a:uFill>
                 <a:latin typeface="Corbel"/>
                 <a:cs typeface="Corbel"/>
-                <a:hlinkClick r:id="rId5"/>
+                <a:hlinkClick r:id="rId6"/>
               </a:rPr>
               <a:t> de</a:t>
             </a:r>
@@ -26443,7 +26409,7 @@
                 </a:uFill>
                 <a:latin typeface="Corbel"/>
                 <a:cs typeface="Corbel"/>
-                <a:hlinkClick r:id="rId5"/>
+                <a:hlinkClick r:id="rId6"/>
               </a:rPr>
               <a:t> </a:t>
             </a:r>
@@ -26459,7 +26425,7 @@
                 </a:uFill>
                 <a:latin typeface="Corbel"/>
                 <a:cs typeface="Corbel"/>
-                <a:hlinkClick r:id="rId5"/>
+                <a:hlinkClick r:id="rId6"/>
               </a:rPr>
               <a:t>resampling.</a:t>
             </a:r>
@@ -26786,7 +26752,7 @@
             <p:nvPr/>
           </p:nvPicPr>
           <p:blipFill>
-            <a:blip r:embed="rId6" cstate="print"/>
+            <a:blip r:embed="rId7" cstate="print"/>
             <a:stretch>
               <a:fillRect/>
             </a:stretch>
@@ -27463,7 +27429,7 @@
             <p:nvPr/>
           </p:nvPicPr>
           <p:blipFill>
-            <a:blip r:embed="rId7" cstate="print"/>
+            <a:blip r:embed="rId8" cstate="print"/>
             <a:stretch>
               <a:fillRect/>
             </a:stretch>
